--- a/CAiSE18-forum/img/nirdizati-overall.pptx
+++ b/CAiSE18-forum/img/nirdizati-overall.pptx
@@ -130,6 +130,10 @@
 </p:presentation>
 </file>
 
+<file path=ppt/revisionInfo.xml><?xml version="1.0" encoding="utf-8"?>
+<p1510:revInfo xmlns:a="http://schemas.openxmlformats.org/drawingml/2006/main" xmlns:r="http://schemas.openxmlformats.org/officeDocument/2006/relationships" xmlns:p1510="http://schemas.microsoft.com/office/powerpoint/2015/10/main"/>
+</file>
+
 <file path=ppt/handoutMasters/handoutMaster1.xml><?xml version="1.0" encoding="utf-8"?>
 <p:handoutMaster xmlns:a="http://schemas.openxmlformats.org/drawingml/2006/main" xmlns:r="http://schemas.openxmlformats.org/officeDocument/2006/relationships" xmlns:p="http://schemas.openxmlformats.org/presentationml/2006/main">
   <p:cSld>
@@ -212,7 +216,7 @@
           <a:p>
             <a:fld id="{0E5D8DFB-0B18-C344-8548-ECCB7FFEFD52}" type="datetimeFigureOut">
               <a:rPr lang="en-US" smtClean="0"/>
-              <a:t>3/5/18</a:t>
+              <a:t>4/9/2018</a:t>
             </a:fld>
             <a:endParaRPr lang="en-US"/>
           </a:p>
@@ -378,7 +382,7 @@
           <a:p>
             <a:fld id="{E19CA862-456F-4F38-A707-1B5C5F7CED46}" type="datetimeFigureOut">
               <a:rPr lang="en-AU" smtClean="0"/>
-              <a:t>5/3/18</a:t>
+              <a:t>9/04/2018</a:t>
             </a:fld>
             <a:endParaRPr lang="en-AU"/>
           </a:p>
@@ -1032,7 +1036,7 @@
                   </a:prstClr>
                 </a:solidFill>
               </a:rPr>
-              <a:t>3/5/18</a:t>
+              <a:t>4/9/2018</a:t>
             </a:fld>
             <a:endParaRPr lang="en-AU">
               <a:solidFill>
@@ -1248,7 +1252,7 @@
                   </a:prstClr>
                 </a:solidFill>
               </a:rPr>
-              <a:t>3/5/18</a:t>
+              <a:t>4/9/2018</a:t>
             </a:fld>
             <a:endParaRPr lang="en-AU">
               <a:solidFill>
@@ -1460,7 +1464,7 @@
                   </a:prstClr>
                 </a:solidFill>
               </a:rPr>
-              <a:t>3/5/18</a:t>
+              <a:t>4/9/2018</a:t>
             </a:fld>
             <a:endParaRPr lang="en-AU">
               <a:solidFill>
@@ -2308,7 +2312,7 @@
                   </a:prstClr>
                 </a:solidFill>
               </a:rPr>
-              <a:t>3/5/18</a:t>
+              <a:t>4/9/2018</a:t>
             </a:fld>
             <a:endParaRPr lang="en-AU">
               <a:solidFill>
@@ -2465,7 +2469,7 @@
                   </a:prstClr>
                 </a:solidFill>
               </a:rPr>
-              <a:t>3/5/18</a:t>
+              <a:t>4/9/2018</a:t>
             </a:fld>
             <a:endParaRPr lang="en-AU">
               <a:solidFill>
@@ -2883,7 +2887,7 @@
                   </a:prstClr>
                 </a:solidFill>
               </a:rPr>
-              <a:t>3/5/18</a:t>
+              <a:t>4/9/2018</a:t>
             </a:fld>
             <a:endParaRPr lang="en-AU">
               <a:solidFill>
@@ -3358,7 +3362,7 @@
                   </a:prstClr>
                 </a:solidFill>
               </a:rPr>
-              <a:t>3/5/18</a:t>
+              <a:t>4/9/2018</a:t>
             </a:fld>
             <a:endParaRPr lang="en-AU">
               <a:solidFill>
@@ -3514,7 +3518,7 @@
                   </a:prstClr>
                 </a:solidFill>
               </a:rPr>
-              <a:t>3/5/18</a:t>
+              <a:t>4/9/2018</a:t>
             </a:fld>
             <a:endParaRPr lang="en-AU">
               <a:solidFill>
@@ -3642,7 +3646,7 @@
                   </a:prstClr>
                 </a:solidFill>
               </a:rPr>
-              <a:t>3/5/18</a:t>
+              <a:t>4/9/2018</a:t>
             </a:fld>
             <a:endParaRPr lang="en-AU">
               <a:solidFill>
@@ -3964,7 +3968,7 @@
                   </a:prstClr>
                 </a:solidFill>
               </a:rPr>
-              <a:t>3/5/18</a:t>
+              <a:t>4/9/2018</a:t>
             </a:fld>
             <a:endParaRPr lang="en-AU">
               <a:solidFill>
@@ -4263,7 +4267,7 @@
                   </a:prstClr>
                 </a:solidFill>
               </a:rPr>
-              <a:t>3/5/18</a:t>
+              <a:t>4/9/2018</a:t>
             </a:fld>
             <a:endParaRPr lang="en-AU">
               <a:solidFill>
@@ -4570,7 +4574,7 @@
                 </a:solidFill>
                 <a:ea typeface="ＭＳ Ｐゴシック" pitchFamily="34" charset="-128"/>
               </a:rPr>
-              <a:t>3/5/18</a:t>
+              <a:t>4/9/2018</a:t>
             </a:fld>
             <a:endParaRPr lang="en-AU">
               <a:solidFill>
@@ -5117,14 +5121,14 @@
           </a:ln>
           <a:extLst>
             <a:ext uri="{909E8E84-426E-40dd-AFC4-6F175D3DCCD1}">
-              <a14:hiddenFill xmlns:a14="http://schemas.microsoft.com/office/drawing/2010/main" xmlns="">
+              <a14:hiddenFill xmlns="" xmlns:a14="http://schemas.microsoft.com/office/drawing/2010/main">
                 <a:solidFill>
                   <a:srgbClr val="FFFFFF"/>
                 </a:solidFill>
               </a14:hiddenFill>
             </a:ext>
             <a:ext uri="{91240B29-F687-4f45-9708-019B960494DF}">
-              <a14:hiddenLine xmlns:a14="http://schemas.microsoft.com/office/drawing/2010/main" xmlns="" w="9525">
+              <a14:hiddenLine xmlns="" xmlns:a14="http://schemas.microsoft.com/office/drawing/2010/main" w="9525">
                 <a:solidFill>
                   <a:srgbClr val="000000"/>
                 </a:solidFill>
@@ -5322,14 +5326,14 @@
           </a:ln>
           <a:extLst>
             <a:ext uri="{909E8E84-426E-40dd-AFC4-6F175D3DCCD1}">
-              <a14:hiddenFill xmlns:a14="http://schemas.microsoft.com/office/drawing/2010/main" xmlns="">
+              <a14:hiddenFill xmlns="" xmlns:a14="http://schemas.microsoft.com/office/drawing/2010/main">
                 <a:solidFill>
                   <a:srgbClr val="FFFFFF"/>
                 </a:solidFill>
               </a14:hiddenFill>
             </a:ext>
             <a:ext uri="{91240B29-F687-4f45-9708-019B960494DF}">
-              <a14:hiddenLine xmlns:a14="http://schemas.microsoft.com/office/drawing/2010/main" xmlns="" w="9525">
+              <a14:hiddenLine xmlns="" xmlns:a14="http://schemas.microsoft.com/office/drawing/2010/main" w="9525">
                 <a:solidFill>
                   <a:srgbClr val="000000"/>
                 </a:solidFill>
@@ -5765,7 +5769,7 @@
           </a:effectLst>
           <a:extLst>
             <a:ext uri="{909E8E84-426E-40dd-AFC4-6F175D3DCCD1}">
-              <a14:hiddenFill xmlns="" xmlns:a14="http://schemas.microsoft.com/office/drawing/2010/main">
+              <a14:hiddenFill xmlns:a14="http://schemas.microsoft.com/office/drawing/2010/main" xmlns="">
                 <a:solidFill>
                   <a:srgbClr val="FFFFFF"/>
                 </a:solidFill>
@@ -6861,14 +6865,14 @@
           </a:ln>
           <a:extLst>
             <a:ext uri="{909E8E84-426E-40dd-AFC4-6F175D3DCCD1}">
-              <a14:hiddenFill xmlns:a14="http://schemas.microsoft.com/office/drawing/2010/main" xmlns="">
+              <a14:hiddenFill xmlns="" xmlns:a14="http://schemas.microsoft.com/office/drawing/2010/main">
                 <a:solidFill>
                   <a:srgbClr val="FFFFFF"/>
                 </a:solidFill>
               </a14:hiddenFill>
             </a:ext>
             <a:ext uri="{91240B29-F687-4f45-9708-019B960494DF}">
-              <a14:hiddenLine xmlns:a14="http://schemas.microsoft.com/office/drawing/2010/main" xmlns="" w="9525">
+              <a14:hiddenLine xmlns="" xmlns:a14="http://schemas.microsoft.com/office/drawing/2010/main" w="9525">
                 <a:solidFill>
                   <a:srgbClr val="000000"/>
                 </a:solidFill>
@@ -7066,14 +7070,14 @@
           </a:ln>
           <a:extLst>
             <a:ext uri="{909E8E84-426E-40dd-AFC4-6F175D3DCCD1}">
-              <a14:hiddenFill xmlns:a14="http://schemas.microsoft.com/office/drawing/2010/main" xmlns="">
+              <a14:hiddenFill xmlns="" xmlns:a14="http://schemas.microsoft.com/office/drawing/2010/main">
                 <a:solidFill>
                   <a:srgbClr val="FFFFFF"/>
                 </a:solidFill>
               </a14:hiddenFill>
             </a:ext>
             <a:ext uri="{91240B29-F687-4f45-9708-019B960494DF}">
-              <a14:hiddenLine xmlns:a14="http://schemas.microsoft.com/office/drawing/2010/main" xmlns="" w="9525">
+              <a14:hiddenLine xmlns="" xmlns:a14="http://schemas.microsoft.com/office/drawing/2010/main" w="9525">
                 <a:solidFill>
                   <a:srgbClr val="000000"/>
                 </a:solidFill>
@@ -7509,7 +7513,7 @@
           </a:effectLst>
           <a:extLst>
             <a:ext uri="{909E8E84-426E-40dd-AFC4-6F175D3DCCD1}">
-              <a14:hiddenFill xmlns="" xmlns:a14="http://schemas.microsoft.com/office/drawing/2010/main">
+              <a14:hiddenFill xmlns:a14="http://schemas.microsoft.com/office/drawing/2010/main" xmlns="">
                 <a:solidFill>
                   <a:srgbClr val="FFFFFF"/>
                 </a:solidFill>
@@ -8076,9 +8080,9 @@
           <p:nvPr/>
         </p:nvCxnSpPr>
         <p:spPr bwMode="auto">
-          <a:xfrm flipV="1">
-            <a:off x="6010273" y="4452301"/>
-            <a:ext cx="532916" cy="1"/>
+          <a:xfrm>
+            <a:off x="6010273" y="4452303"/>
+            <a:ext cx="1076466" cy="4638"/>
           </a:xfrm>
           <a:prstGeom prst="straightConnector1">
             <a:avLst/>
